--- a/docs/test/testdata/Brukerveiledning testdata.pptx
+++ b/docs/test/testdata/Brukerveiledning testdata.pptx
@@ -5,7 +5,7 @@
     <p:sldMasterId id="2147483661" r:id="rId4"/>
   </p:sldMasterIdLst>
   <p:notesMasterIdLst>
-    <p:notesMasterId r:id="rId16"/>
+    <p:notesMasterId r:id="rId17"/>
   </p:notesMasterIdLst>
   <p:sldIdLst>
     <p:sldId id="267" r:id="rId5"/>
@@ -15,10 +15,11 @@
     <p:sldId id="2147196743" r:id="rId9"/>
     <p:sldId id="2147196744" r:id="rId10"/>
     <p:sldId id="2147196745" r:id="rId11"/>
-    <p:sldId id="2147196746" r:id="rId12"/>
-    <p:sldId id="2147196748" r:id="rId13"/>
-    <p:sldId id="2147196747" r:id="rId14"/>
-    <p:sldId id="282" r:id="rId15"/>
+    <p:sldId id="2147196749" r:id="rId12"/>
+    <p:sldId id="2147196746" r:id="rId13"/>
+    <p:sldId id="2147196748" r:id="rId14"/>
+    <p:sldId id="2147196747" r:id="rId15"/>
+    <p:sldId id="282" r:id="rId16"/>
   </p:sldIdLst>
   <p:sldSz cx="12192000" cy="6858000"/>
   <p:notesSz cx="6858000" cy="9144000"/>
@@ -297,7 +298,7 @@
           <a:p>
             <a:fld id="{E37040F8-4A42-4F60-A7A3-95269D5E5751}" type="datetimeFigureOut">
               <a:rPr lang="en-US" smtClean="0"/>
-              <a:t>11/18/22</a:t>
+              <a:t>10/18/24</a:t>
             </a:fld>
             <a:endParaRPr lang="en-US"/>
           </a:p>
@@ -713,7 +714,7 @@
           <a:p>
             <a:fld id="{6287C99C-BC53-4F8C-9A06-6508808C479D}" type="slidenum">
               <a:rPr lang="en-US" smtClean="0"/>
-              <a:t>9</a:t>
+              <a:t>10</a:t>
             </a:fld>
             <a:endParaRPr lang="en-US"/>
           </a:p>
@@ -797,7 +798,7 @@
           <a:p>
             <a:fld id="{6287C99C-BC53-4F8C-9A06-6508808C479D}" type="slidenum">
               <a:rPr lang="en-US" smtClean="0"/>
-              <a:t>10</a:t>
+              <a:t>11</a:t>
             </a:fld>
             <a:endParaRPr lang="en-US"/>
           </a:p>
@@ -858,7 +859,7 @@
           <a:p>
             <a:fld id="{FA4D945C-4F33-429E-A937-C71459CE75C0}" type="datetime1">
               <a:rPr lang="nb-NO" smtClean="0"/>
-              <a:t>18.11.2022</a:t>
+              <a:t>18.10.2024</a:t>
             </a:fld>
             <a:endParaRPr lang="en-US"/>
           </a:p>
@@ -1883,7 +1884,7 @@
           <a:p>
             <a:fld id="{CA20B70D-7246-444B-A37A-7FFF9451337F}" type="datetime1">
               <a:rPr lang="nb-NO" smtClean="0"/>
-              <a:t>18.11.2022</a:t>
+              <a:t>18.10.2024</a:t>
             </a:fld>
             <a:endParaRPr lang="en-US"/>
           </a:p>
@@ -2308,7 +2309,7 @@
           <a:p>
             <a:fld id="{B506136A-E4F7-418E-AC0A-370F57318017}" type="datetime1">
               <a:rPr lang="nb-NO" smtClean="0"/>
-              <a:t>18.11.2022</a:t>
+              <a:t>18.10.2024</a:t>
             </a:fld>
             <a:endParaRPr lang="en-US"/>
           </a:p>
@@ -2615,7 +2616,7 @@
           <a:p>
             <a:fld id="{503AE893-AFB7-4026-955E-405B34AE2019}" type="datetime1">
               <a:rPr lang="nb-NO" smtClean="0"/>
-              <a:t>18.11.2022</a:t>
+              <a:t>18.10.2024</a:t>
             </a:fld>
             <a:endParaRPr lang="en-US"/>
           </a:p>
@@ -2985,7 +2986,7 @@
           <a:p>
             <a:fld id="{68BF2B57-35DF-4E34-8730-94D80C83787E}" type="datetime1">
               <a:rPr lang="nb-NO" smtClean="0"/>
-              <a:t>18.11.2022</a:t>
+              <a:t>18.10.2024</a:t>
             </a:fld>
             <a:endParaRPr lang="en-US"/>
           </a:p>
@@ -3418,7 +3419,7 @@
           <a:p>
             <a:fld id="{0E6625F5-7C6E-455D-81CB-2BBEEEB07508}" type="datetime1">
               <a:rPr lang="nb-NO" smtClean="0"/>
-              <a:t>18.11.2022</a:t>
+              <a:t>18.10.2024</a:t>
             </a:fld>
             <a:endParaRPr lang="en-US"/>
           </a:p>
@@ -3751,7 +3752,7 @@
           <a:p>
             <a:fld id="{AC78E596-238B-47A7-93EA-C90E79F90AFD}" type="datetime1">
               <a:rPr lang="nb-NO" smtClean="0"/>
-              <a:t>18.11.2022</a:t>
+              <a:t>18.10.2024</a:t>
             </a:fld>
             <a:endParaRPr lang="en-US"/>
           </a:p>
@@ -4371,7 +4372,7 @@
           <a:p>
             <a:fld id="{C6118FF2-0A9D-4C31-97F5-2D517E0668C4}" type="datetime1">
               <a:rPr lang="nb-NO" smtClean="0"/>
-              <a:t>18.11.2022</a:t>
+              <a:t>18.10.2024</a:t>
             </a:fld>
             <a:endParaRPr lang="en-US"/>
           </a:p>
@@ -4671,7 +4672,7 @@
           <a:p>
             <a:fld id="{B0EBD741-0D8D-4551-95C1-B4A04244E88E}" type="datetime1">
               <a:rPr lang="nb-NO" smtClean="0"/>
-              <a:t>18.11.2022</a:t>
+              <a:t>18.10.2024</a:t>
             </a:fld>
             <a:endParaRPr lang="en-US"/>
           </a:p>
@@ -5180,7 +5181,7 @@
           <a:p>
             <a:fld id="{64D314EF-3D8A-4105-8F30-0E8A9ED4584F}" type="datetime1">
               <a:rPr lang="nb-NO" smtClean="0"/>
-              <a:t>18.11.2022</a:t>
+              <a:t>18.10.2024</a:t>
             </a:fld>
             <a:endParaRPr lang="en-US"/>
           </a:p>
@@ -5543,7 +5544,7 @@
           <a:p>
             <a:fld id="{AC318F4D-DD84-4653-9572-67BDA3EC4510}" type="datetime1">
               <a:rPr lang="nb-NO" smtClean="0"/>
-              <a:t>18.11.2022</a:t>
+              <a:t>18.10.2024</a:t>
             </a:fld>
             <a:endParaRPr lang="en-US" dirty="0"/>
           </a:p>
@@ -6116,6 +6117,175 @@
           <a:chExt cx="0" cy="0"/>
         </a:xfrm>
       </p:grpSpPr>
+      <p:pic>
+        <p:nvPicPr>
+          <p:cNvPr id="5" name="Picture 4">
+            <a:extLst>
+              <a:ext uri="{FF2B5EF4-FFF2-40B4-BE49-F238E27FC236}">
+                <a16:creationId xmlns:a16="http://schemas.microsoft.com/office/drawing/2014/main" id="{B6AC5B33-C19E-314E-9A81-FFA2A1E9B0BE}"/>
+              </a:ext>
+            </a:extLst>
+          </p:cNvPr>
+          <p:cNvPicPr>
+            <a:picLocks noChangeAspect="1"/>
+          </p:cNvPicPr>
+          <p:nvPr/>
+        </p:nvPicPr>
+        <p:blipFill>
+          <a:blip r:embed="rId3"/>
+          <a:stretch>
+            <a:fillRect/>
+          </a:stretch>
+        </p:blipFill>
+        <p:spPr>
+          <a:xfrm>
+            <a:off x="6705389" y="613583"/>
+            <a:ext cx="3782355" cy="4618383"/>
+          </a:xfrm>
+          <a:prstGeom prst="rect">
+            <a:avLst/>
+          </a:prstGeom>
+        </p:spPr>
+      </p:pic>
+      <p:sp>
+        <p:nvSpPr>
+          <p:cNvPr id="2" name="Content Placeholder 1">
+            <a:extLst>
+              <a:ext uri="{FF2B5EF4-FFF2-40B4-BE49-F238E27FC236}">
+                <a16:creationId xmlns:a16="http://schemas.microsoft.com/office/drawing/2014/main" id="{CB231304-5779-26B2-4CA1-6F75F8DB4759}"/>
+              </a:ext>
+            </a:extLst>
+          </p:cNvPr>
+          <p:cNvSpPr>
+            <a:spLocks noGrp="1"/>
+          </p:cNvSpPr>
+          <p:nvPr>
+            <p:ph idx="1"/>
+          </p:nvPr>
+        </p:nvSpPr>
+        <p:spPr>
+          <a:xfrm>
+            <a:off x="759450" y="1990446"/>
+            <a:ext cx="5945939" cy="4174434"/>
+          </a:xfrm>
+        </p:spPr>
+        <p:txBody>
+          <a:bodyPr/>
+          <a:lstStyle/>
+          <a:p>
+            <a:r>
+              <a:rPr lang="en-NO" dirty="0"/>
+              <a:t>Velg testId</a:t>
+            </a:r>
+          </a:p>
+          <a:p>
+            <a:r>
+              <a:rPr lang="en-NO" dirty="0"/>
+              <a:t>Bruk fødselsnummer for parten dere har funnet eller dagligleder for orgnr. </a:t>
+            </a:r>
+          </a:p>
+          <a:p>
+            <a:r>
+              <a:rPr lang="en-NO" dirty="0"/>
+              <a:t>Hvis en får spørsmål om kontakt data, ikke bruk eget mobil nummer hvis en absolutt ikke må</a:t>
+            </a:r>
+          </a:p>
+          <a:p>
+            <a:r>
+              <a:rPr lang="en-NO" dirty="0"/>
+              <a:t>Ved førstegangs pålogging er det også lurt å logge på Altinn tt02 for å aktivere brukeren hos Altinn</a:t>
+            </a:r>
+          </a:p>
+        </p:txBody>
+      </p:sp>
+      <p:sp>
+        <p:nvSpPr>
+          <p:cNvPr id="3" name="Title 2">
+            <a:extLst>
+              <a:ext uri="{FF2B5EF4-FFF2-40B4-BE49-F238E27FC236}">
+                <a16:creationId xmlns:a16="http://schemas.microsoft.com/office/drawing/2014/main" id="{4721E7C3-2D9F-7AF5-A4D6-BEB600EFC51D}"/>
+              </a:ext>
+            </a:extLst>
+          </p:cNvPr>
+          <p:cNvSpPr>
+            <a:spLocks noGrp="1"/>
+          </p:cNvSpPr>
+          <p:nvPr>
+            <p:ph type="title"/>
+          </p:nvPr>
+        </p:nvSpPr>
+        <p:spPr/>
+        <p:txBody>
+          <a:bodyPr/>
+          <a:lstStyle/>
+          <a:p>
+            <a:r>
+              <a:rPr lang="en-NO" dirty="0"/>
+              <a:t>Pålogging</a:t>
+            </a:r>
+          </a:p>
+        </p:txBody>
+      </p:sp>
+      <p:pic>
+        <p:nvPicPr>
+          <p:cNvPr id="4" name="Picture 3">
+            <a:extLst>
+              <a:ext uri="{FF2B5EF4-FFF2-40B4-BE49-F238E27FC236}">
+                <a16:creationId xmlns:a16="http://schemas.microsoft.com/office/drawing/2014/main" id="{8812FE2B-52CB-A98C-A25E-CF1766015FBF}"/>
+              </a:ext>
+            </a:extLst>
+          </p:cNvPr>
+          <p:cNvPicPr>
+            <a:picLocks noChangeAspect="1"/>
+          </p:cNvPicPr>
+          <p:nvPr/>
+        </p:nvPicPr>
+        <p:blipFill>
+          <a:blip r:embed="rId4"/>
+          <a:stretch>
+            <a:fillRect/>
+          </a:stretch>
+        </p:blipFill>
+        <p:spPr>
+          <a:xfrm>
+            <a:off x="8938011" y="1334488"/>
+            <a:ext cx="3099466" cy="4909929"/>
+          </a:xfrm>
+          <a:prstGeom prst="rect">
+            <a:avLst/>
+          </a:prstGeom>
+        </p:spPr>
+      </p:pic>
+    </p:spTree>
+    <p:extLst>
+      <p:ext uri="{BB962C8B-B14F-4D97-AF65-F5344CB8AC3E}">
+        <p14:creationId xmlns:p14="http://schemas.microsoft.com/office/powerpoint/2010/main" val="4012293914"/>
+      </p:ext>
+    </p:extLst>
+  </p:cSld>
+  <p:clrMapOvr>
+    <a:masterClrMapping/>
+  </p:clrMapOvr>
+</p:sld>
+</file>
+
+<file path=ppt/slides/slide11.xml><?xml version="1.0" encoding="utf-8"?>
+<p:sld xmlns:a="http://schemas.openxmlformats.org/drawingml/2006/main" xmlns:r="http://schemas.openxmlformats.org/officeDocument/2006/relationships" xmlns:p="http://schemas.openxmlformats.org/presentationml/2006/main">
+  <p:cSld>
+    <p:spTree>
+      <p:nvGrpSpPr>
+        <p:cNvPr id="1" name=""/>
+        <p:cNvGrpSpPr/>
+        <p:nvPr/>
+      </p:nvGrpSpPr>
+      <p:grpSpPr>
+        <a:xfrm>
+          <a:off x="0" y="0"/>
+          <a:ext cx="0" cy="0"/>
+          <a:chOff x="0" y="0"/>
+          <a:chExt cx="0" cy="0"/>
+        </a:xfrm>
+      </p:grpSpPr>
       <p:sp>
         <p:nvSpPr>
           <p:cNvPr id="2" name="Content Placeholder 1">
@@ -6274,7 +6444,7 @@
 </p:sld>
 </file>
 
-<file path=ppt/slides/slide11.xml><?xml version="1.0" encoding="utf-8"?>
+<file path=ppt/slides/slide12.xml><?xml version="1.0" encoding="utf-8"?>
 <p:sld xmlns:a="http://schemas.openxmlformats.org/drawingml/2006/main" xmlns:r="http://schemas.openxmlformats.org/officeDocument/2006/relationships" xmlns:p="http://schemas.openxmlformats.org/presentationml/2006/main">
   <p:cSld>
     <p:spTree>
@@ -7598,73 +7768,175 @@
           <a:chExt cx="0" cy="0"/>
         </a:xfrm>
       </p:grpSpPr>
-      <p:sp>
-        <p:nvSpPr>
-          <p:cNvPr id="2" name="Content Placeholder 1">
-            <a:extLst>
-              <a:ext uri="{FF2B5EF4-FFF2-40B4-BE49-F238E27FC236}">
-                <a16:creationId xmlns:a16="http://schemas.microsoft.com/office/drawing/2014/main" id="{C9948A8F-7D34-038C-B404-156F50366B4D}"/>
-              </a:ext>
-            </a:extLst>
-          </p:cNvPr>
-          <p:cNvSpPr>
-            <a:spLocks noGrp="1"/>
-          </p:cNvSpPr>
-          <p:nvPr>
-            <p:ph idx="1"/>
-          </p:nvPr>
-        </p:nvSpPr>
-        <p:spPr>
-          <a:xfrm>
-            <a:off x="759450" y="1948070"/>
-            <a:ext cx="5336550" cy="4257505"/>
-          </a:xfrm>
-        </p:spPr>
-        <p:txBody>
-          <a:bodyPr/>
-          <a:lstStyle/>
-          <a:p>
-            <a:r>
-              <a:rPr lang="en-NO" dirty="0"/>
-              <a:t>På grunn av to forskjellig testimiljøer på skatteetaten sin side, fungerer ikke følgende søkekriterier</a:t>
-            </a:r>
-          </a:p>
-        </p:txBody>
-      </p:sp>
-      <p:sp>
-        <p:nvSpPr>
-          <p:cNvPr id="3" name="Title 2">
-            <a:extLst>
-              <a:ext uri="{FF2B5EF4-FFF2-40B4-BE49-F238E27FC236}">
-                <a16:creationId xmlns:a16="http://schemas.microsoft.com/office/drawing/2014/main" id="{BFCDF823-C8E5-35AD-1A47-5281CAA00876}"/>
-              </a:ext>
-            </a:extLst>
-          </p:cNvPr>
-          <p:cNvSpPr>
-            <a:spLocks noGrp="1"/>
-          </p:cNvSpPr>
-          <p:nvPr>
-            <p:ph type="title"/>
-          </p:nvPr>
-        </p:nvSpPr>
-        <p:spPr/>
-        <p:txBody>
-          <a:bodyPr/>
-          <a:lstStyle/>
-          <a:p>
-            <a:r>
-              <a:rPr lang="en-NO" dirty="0"/>
-              <a:t>Søkekriter som ikke er aktuelle</a:t>
-            </a:r>
-          </a:p>
-        </p:txBody>
-      </p:sp>
       <p:pic>
         <p:nvPicPr>
-          <p:cNvPr id="4" name="Picture 3">
-            <a:extLst>
-              <a:ext uri="{FF2B5EF4-FFF2-40B4-BE49-F238E27FC236}">
-                <a16:creationId xmlns:a16="http://schemas.microsoft.com/office/drawing/2014/main" id="{C3D241D4-FD7A-7E1E-AEA3-F285DF0B7BE8}"/>
+          <p:cNvPr id="5" name="Content Placeholder 4" descr="A screenshot of a phone&#10;&#10;Description automatically generated">
+            <a:extLst>
+              <a:ext uri="{FF2B5EF4-FFF2-40B4-BE49-F238E27FC236}">
+                <a16:creationId xmlns:a16="http://schemas.microsoft.com/office/drawing/2014/main" id="{CEFBC9B0-3943-B07C-CA82-AB5EC5ADACC4}"/>
+              </a:ext>
+            </a:extLst>
+          </p:cNvPr>
+          <p:cNvPicPr>
+            <a:picLocks noGrp="1" noChangeAspect="1"/>
+          </p:cNvPicPr>
+          <p:nvPr>
+            <p:ph idx="1"/>
+          </p:nvPr>
+        </p:nvPicPr>
+        <p:blipFill>
+          <a:blip r:embed="rId2">
+            <a:extLst>
+              <a:ext uri="{28A0092B-C50C-407E-A947-70E740481C1C}">
+                <a14:useLocalDpi xmlns:a14="http://schemas.microsoft.com/office/drawing/2010/main" val="0"/>
+              </a:ext>
+            </a:extLst>
+          </a:blip>
+          <a:stretch>
+            <a:fillRect/>
+          </a:stretch>
+        </p:blipFill>
+        <p:spPr>
+          <a:xfrm>
+            <a:off x="423821" y="1696261"/>
+            <a:ext cx="3756888" cy="5033152"/>
+          </a:xfrm>
+        </p:spPr>
+      </p:pic>
+      <p:sp>
+        <p:nvSpPr>
+          <p:cNvPr id="3" name="Title 2">
+            <a:extLst>
+              <a:ext uri="{FF2B5EF4-FFF2-40B4-BE49-F238E27FC236}">
+                <a16:creationId xmlns:a16="http://schemas.microsoft.com/office/drawing/2014/main" id="{A631A467-244F-4C37-80A6-C1AC94135930}"/>
+              </a:ext>
+            </a:extLst>
+          </p:cNvPr>
+          <p:cNvSpPr>
+            <a:spLocks noGrp="1"/>
+          </p:cNvSpPr>
+          <p:nvPr>
+            <p:ph type="title"/>
+          </p:nvPr>
+        </p:nvSpPr>
+        <p:spPr/>
+        <p:txBody>
+          <a:bodyPr/>
+          <a:lstStyle/>
+          <a:p>
+            <a:r>
+              <a:rPr lang="en-NO" dirty="0"/>
+              <a:t>Finn ubrukt tespart</a:t>
+            </a:r>
+          </a:p>
+        </p:txBody>
+      </p:sp>
+      <p:sp>
+        <p:nvSpPr>
+          <p:cNvPr id="6" name="Rectangle 5">
+            <a:extLst>
+              <a:ext uri="{FF2B5EF4-FFF2-40B4-BE49-F238E27FC236}">
+                <a16:creationId xmlns:a16="http://schemas.microsoft.com/office/drawing/2014/main" id="{A586EFC6-ADE6-A9ED-0D34-88484DD26FDC}"/>
+              </a:ext>
+            </a:extLst>
+          </p:cNvPr>
+          <p:cNvSpPr/>
+          <p:nvPr/>
+        </p:nvSpPr>
+        <p:spPr>
+          <a:xfrm>
+            <a:off x="423822" y="4186238"/>
+            <a:ext cx="3756888" cy="757237"/>
+          </a:xfrm>
+          <a:prstGeom prst="rect">
+            <a:avLst/>
+          </a:prstGeom>
+          <a:noFill/>
+          <a:ln w="57150" cap="flat" cmpd="sng" algn="ctr">
+            <a:solidFill>
+              <a:schemeClr val="accent3"/>
+            </a:solidFill>
+            <a:prstDash val="solid"/>
+            <a:round/>
+            <a:headEnd type="none" w="med" len="med"/>
+            <a:tailEnd type="none" w="med" len="med"/>
+          </a:ln>
+        </p:spPr>
+        <p:style>
+          <a:lnRef idx="0">
+            <a:scrgbClr r="0" g="0" b="0"/>
+          </a:lnRef>
+          <a:fillRef idx="0">
+            <a:scrgbClr r="0" g="0" b="0"/>
+          </a:fillRef>
+          <a:effectRef idx="0">
+            <a:scrgbClr r="0" g="0" b="0"/>
+          </a:effectRef>
+          <a:fontRef idx="minor">
+            <a:schemeClr val="accent3"/>
+          </a:fontRef>
+        </p:style>
+        <p:txBody>
+          <a:bodyPr rtlCol="0" anchor="ctr"/>
+          <a:lstStyle/>
+          <a:p>
+            <a:pPr algn="ctr"/>
+            <a:endParaRPr lang="en-NO"/>
+          </a:p>
+        </p:txBody>
+      </p:sp>
+      <p:sp>
+        <p:nvSpPr>
+          <p:cNvPr id="7" name="Left Arrow 6">
+            <a:extLst>
+              <a:ext uri="{FF2B5EF4-FFF2-40B4-BE49-F238E27FC236}">
+                <a16:creationId xmlns:a16="http://schemas.microsoft.com/office/drawing/2014/main" id="{EBE9E69A-A291-95AD-B42A-E877C776F5DF}"/>
+              </a:ext>
+            </a:extLst>
+          </p:cNvPr>
+          <p:cNvSpPr/>
+          <p:nvPr/>
+        </p:nvSpPr>
+        <p:spPr>
+          <a:xfrm rot="10800000" flipV="1">
+            <a:off x="4349578" y="4402364"/>
+            <a:ext cx="1000897" cy="324984"/>
+          </a:xfrm>
+          <a:prstGeom prst="leftArrow">
+            <a:avLst/>
+          </a:prstGeom>
+        </p:spPr>
+        <p:style>
+          <a:lnRef idx="2">
+            <a:schemeClr val="accent1">
+              <a:shade val="15000"/>
+            </a:schemeClr>
+          </a:lnRef>
+          <a:fillRef idx="1">
+            <a:schemeClr val="accent1"/>
+          </a:fillRef>
+          <a:effectRef idx="0">
+            <a:schemeClr val="accent1"/>
+          </a:effectRef>
+          <a:fontRef idx="minor">
+            <a:schemeClr val="lt1"/>
+          </a:fontRef>
+        </p:style>
+        <p:txBody>
+          <a:bodyPr rtlCol="0" anchor="ctr"/>
+          <a:lstStyle/>
+          <a:p>
+            <a:pPr algn="ctr"/>
+            <a:endParaRPr lang="en-NO"/>
+          </a:p>
+        </p:txBody>
+      </p:sp>
+      <p:pic>
+        <p:nvPicPr>
+          <p:cNvPr id="9" name="Picture 8" descr="A screenshot of a computer&#10;&#10;Description automatically generated">
+            <a:extLst>
+              <a:ext uri="{FF2B5EF4-FFF2-40B4-BE49-F238E27FC236}">
+                <a16:creationId xmlns:a16="http://schemas.microsoft.com/office/drawing/2014/main" id="{2EB8B9FB-C975-24A0-3BA1-660C68C73F12}"/>
               </a:ext>
             </a:extLst>
           </p:cNvPr>
@@ -7674,15 +7946,21 @@
           <p:nvPr/>
         </p:nvPicPr>
         <p:blipFill>
-          <a:blip r:embed="rId2"/>
+          <a:blip r:embed="rId3">
+            <a:extLst>
+              <a:ext uri="{28A0092B-C50C-407E-A947-70E740481C1C}">
+                <a14:useLocalDpi xmlns:a14="http://schemas.microsoft.com/office/drawing/2010/main" val="0"/>
+              </a:ext>
+            </a:extLst>
+          </a:blip>
           <a:stretch>
             <a:fillRect/>
           </a:stretch>
         </p:blipFill>
         <p:spPr>
           <a:xfrm>
-            <a:off x="7598162" y="1696261"/>
-            <a:ext cx="3281874" cy="4918593"/>
+            <a:off x="5686104" y="1696261"/>
+            <a:ext cx="4974624" cy="4335029"/>
           </a:xfrm>
           <a:prstGeom prst="rect">
             <a:avLst/>
@@ -7692,7 +7970,7 @@
     </p:spTree>
     <p:extLst>
       <p:ext uri="{BB962C8B-B14F-4D97-AF65-F5344CB8AC3E}">
-        <p14:creationId xmlns:p14="http://schemas.microsoft.com/office/powerpoint/2010/main" val="3644178799"/>
+        <p14:creationId xmlns:p14="http://schemas.microsoft.com/office/powerpoint/2010/main" val="2344756642"/>
       </p:ext>
     </p:extLst>
   </p:cSld>
@@ -7719,12 +7997,73 @@
           <a:chExt cx="0" cy="0"/>
         </a:xfrm>
       </p:grpSpPr>
+      <p:sp>
+        <p:nvSpPr>
+          <p:cNvPr id="2" name="Content Placeholder 1">
+            <a:extLst>
+              <a:ext uri="{FF2B5EF4-FFF2-40B4-BE49-F238E27FC236}">
+                <a16:creationId xmlns:a16="http://schemas.microsoft.com/office/drawing/2014/main" id="{C9948A8F-7D34-038C-B404-156F50366B4D}"/>
+              </a:ext>
+            </a:extLst>
+          </p:cNvPr>
+          <p:cNvSpPr>
+            <a:spLocks noGrp="1"/>
+          </p:cNvSpPr>
+          <p:nvPr>
+            <p:ph idx="1"/>
+          </p:nvPr>
+        </p:nvSpPr>
+        <p:spPr>
+          <a:xfrm>
+            <a:off x="759450" y="1948070"/>
+            <a:ext cx="5336550" cy="4257505"/>
+          </a:xfrm>
+        </p:spPr>
+        <p:txBody>
+          <a:bodyPr/>
+          <a:lstStyle/>
+          <a:p>
+            <a:r>
+              <a:rPr lang="en-NO" dirty="0"/>
+              <a:t>På grunn av to forskjellig testimiljøer på skatteetaten sin side, fungerer ikke følgende søkekriterier</a:t>
+            </a:r>
+          </a:p>
+        </p:txBody>
+      </p:sp>
+      <p:sp>
+        <p:nvSpPr>
+          <p:cNvPr id="3" name="Title 2">
+            <a:extLst>
+              <a:ext uri="{FF2B5EF4-FFF2-40B4-BE49-F238E27FC236}">
+                <a16:creationId xmlns:a16="http://schemas.microsoft.com/office/drawing/2014/main" id="{BFCDF823-C8E5-35AD-1A47-5281CAA00876}"/>
+              </a:ext>
+            </a:extLst>
+          </p:cNvPr>
+          <p:cNvSpPr>
+            <a:spLocks noGrp="1"/>
+          </p:cNvSpPr>
+          <p:nvPr>
+            <p:ph type="title"/>
+          </p:nvPr>
+        </p:nvSpPr>
+        <p:spPr/>
+        <p:txBody>
+          <a:bodyPr/>
+          <a:lstStyle/>
+          <a:p>
+            <a:r>
+              <a:rPr lang="en-NO" dirty="0"/>
+              <a:t>Søkekriter som ikke er aktuelle</a:t>
+            </a:r>
+          </a:p>
+        </p:txBody>
+      </p:sp>
       <p:pic>
         <p:nvPicPr>
-          <p:cNvPr id="5" name="Picture 4">
-            <a:extLst>
-              <a:ext uri="{FF2B5EF4-FFF2-40B4-BE49-F238E27FC236}">
-                <a16:creationId xmlns:a16="http://schemas.microsoft.com/office/drawing/2014/main" id="{B6AC5B33-C19E-314E-9A81-FFA2A1E9B0BE}"/>
+          <p:cNvPr id="4" name="Picture 3">
+            <a:extLst>
+              <a:ext uri="{FF2B5EF4-FFF2-40B4-BE49-F238E27FC236}">
+                <a16:creationId xmlns:a16="http://schemas.microsoft.com/office/drawing/2014/main" id="{C3D241D4-FD7A-7E1E-AEA3-F285DF0B7BE8}"/>
               </a:ext>
             </a:extLst>
           </p:cNvPr>
@@ -7734,124 +8073,15 @@
           <p:nvPr/>
         </p:nvPicPr>
         <p:blipFill>
-          <a:blip r:embed="rId3"/>
+          <a:blip r:embed="rId2"/>
           <a:stretch>
             <a:fillRect/>
           </a:stretch>
         </p:blipFill>
         <p:spPr>
           <a:xfrm>
-            <a:off x="6705389" y="613583"/>
-            <a:ext cx="3782355" cy="4618383"/>
-          </a:xfrm>
-          <a:prstGeom prst="rect">
-            <a:avLst/>
-          </a:prstGeom>
-        </p:spPr>
-      </p:pic>
-      <p:sp>
-        <p:nvSpPr>
-          <p:cNvPr id="2" name="Content Placeholder 1">
-            <a:extLst>
-              <a:ext uri="{FF2B5EF4-FFF2-40B4-BE49-F238E27FC236}">
-                <a16:creationId xmlns:a16="http://schemas.microsoft.com/office/drawing/2014/main" id="{CB231304-5779-26B2-4CA1-6F75F8DB4759}"/>
-              </a:ext>
-            </a:extLst>
-          </p:cNvPr>
-          <p:cNvSpPr>
-            <a:spLocks noGrp="1"/>
-          </p:cNvSpPr>
-          <p:nvPr>
-            <p:ph idx="1"/>
-          </p:nvPr>
-        </p:nvSpPr>
-        <p:spPr>
-          <a:xfrm>
-            <a:off x="759450" y="1990446"/>
-            <a:ext cx="5945939" cy="4174434"/>
-          </a:xfrm>
-        </p:spPr>
-        <p:txBody>
-          <a:bodyPr/>
-          <a:lstStyle/>
-          <a:p>
-            <a:r>
-              <a:rPr lang="en-NO" dirty="0"/>
-              <a:t>Velg testId</a:t>
-            </a:r>
-          </a:p>
-          <a:p>
-            <a:r>
-              <a:rPr lang="en-NO" dirty="0"/>
-              <a:t>Bruk fødselsnummer for parten dere har funnet eller dagligleder for orgnr. </a:t>
-            </a:r>
-          </a:p>
-          <a:p>
-            <a:r>
-              <a:rPr lang="en-NO" dirty="0"/>
-              <a:t>Hvis en får spørsmål om kontakt data, ikke bruk eget mobil nummer hvis en absolutt ikke må</a:t>
-            </a:r>
-          </a:p>
-          <a:p>
-            <a:r>
-              <a:rPr lang="en-NO" dirty="0"/>
-              <a:t>Ved førstegangs pålogging er det også lurt å logge på Altinn tt02 for å aktivere brukeren hos Altinn</a:t>
-            </a:r>
-          </a:p>
-        </p:txBody>
-      </p:sp>
-      <p:sp>
-        <p:nvSpPr>
-          <p:cNvPr id="3" name="Title 2">
-            <a:extLst>
-              <a:ext uri="{FF2B5EF4-FFF2-40B4-BE49-F238E27FC236}">
-                <a16:creationId xmlns:a16="http://schemas.microsoft.com/office/drawing/2014/main" id="{4721E7C3-2D9F-7AF5-A4D6-BEB600EFC51D}"/>
-              </a:ext>
-            </a:extLst>
-          </p:cNvPr>
-          <p:cNvSpPr>
-            <a:spLocks noGrp="1"/>
-          </p:cNvSpPr>
-          <p:nvPr>
-            <p:ph type="title"/>
-          </p:nvPr>
-        </p:nvSpPr>
-        <p:spPr/>
-        <p:txBody>
-          <a:bodyPr/>
-          <a:lstStyle/>
-          <a:p>
-            <a:r>
-              <a:rPr lang="en-NO" dirty="0"/>
-              <a:t>Pålogging</a:t>
-            </a:r>
-          </a:p>
-        </p:txBody>
-      </p:sp>
-      <p:pic>
-        <p:nvPicPr>
-          <p:cNvPr id="4" name="Picture 3">
-            <a:extLst>
-              <a:ext uri="{FF2B5EF4-FFF2-40B4-BE49-F238E27FC236}">
-                <a16:creationId xmlns:a16="http://schemas.microsoft.com/office/drawing/2014/main" id="{8812FE2B-52CB-A98C-A25E-CF1766015FBF}"/>
-              </a:ext>
-            </a:extLst>
-          </p:cNvPr>
-          <p:cNvPicPr>
-            <a:picLocks noChangeAspect="1"/>
-          </p:cNvPicPr>
-          <p:nvPr/>
-        </p:nvPicPr>
-        <p:blipFill>
-          <a:blip r:embed="rId4"/>
-          <a:stretch>
-            <a:fillRect/>
-          </a:stretch>
-        </p:blipFill>
-        <p:spPr>
-          <a:xfrm>
-            <a:off x="8938011" y="1334488"/>
-            <a:ext cx="3099466" cy="4909929"/>
+            <a:off x="7598162" y="1696261"/>
+            <a:ext cx="3281874" cy="4918593"/>
           </a:xfrm>
           <a:prstGeom prst="rect">
             <a:avLst/>
@@ -7861,7 +8091,7 @@
     </p:spTree>
     <p:extLst>
       <p:ext uri="{BB962C8B-B14F-4D97-AF65-F5344CB8AC3E}">
-        <p14:creationId xmlns:p14="http://schemas.microsoft.com/office/powerpoint/2010/main" val="4012293914"/>
+        <p14:creationId xmlns:p14="http://schemas.microsoft.com/office/powerpoint/2010/main" val="3644178799"/>
       </p:ext>
     </p:extLst>
   </p:cSld>
@@ -8368,6 +8598,15 @@
 </file>
 
 <file path=customXml/item1.xml><?xml version="1.0" encoding="utf-8"?>
+<?mso-contentType ?>
+<FormTemplates xmlns="http://schemas.microsoft.com/sharepoint/v3/contenttype/forms">
+  <Display>DocumentLibraryForm</Display>
+  <Edit>DocumentLibraryForm</Edit>
+  <New>DocumentLibraryForm</New>
+</FormTemplates>
+</file>
+
+<file path=customXml/item2.xml><?xml version="1.0" encoding="utf-8"?>
 <ct:contentTypeSchema xmlns:ct="http://schemas.microsoft.com/office/2006/metadata/contentType" xmlns:ma="http://schemas.microsoft.com/office/2006/metadata/properties/metaAttributes" ct:_="" ma:_="" ma:contentTypeName="Dokument" ma:contentTypeID="0x01010003B189C8E5BB8740A607FA41C6E2A2C9" ma:contentTypeVersion="11" ma:contentTypeDescription="Opprett et nytt dokument." ma:contentTypeScope="" ma:versionID="ee1e661f0d8731eee43d492cad0aad47">
   <xsd:schema xmlns:xsd="http://www.w3.org/2001/XMLSchema" xmlns:xs="http://www.w3.org/2001/XMLSchema" xmlns:p="http://schemas.microsoft.com/office/2006/metadata/properties" xmlns:ns2="b3a07cbe-3ade-46f5-b3d0-24c970ec6d45" xmlns:ns3="cac88abd-c5c8-440d-b517-c07797042b36" targetNamespace="http://schemas.microsoft.com/office/2006/metadata/properties" ma:root="true" ma:fieldsID="120606667931b1c2fd8582b1bd6d156d" ns2:_="" ns3:_="">
     <xsd:import namespace="b3a07cbe-3ade-46f5-b3d0-24c970ec6d45"/>
@@ -8560,15 +8799,6 @@
 </ct:contentTypeSchema>
 </file>
 
-<file path=customXml/item2.xml><?xml version="1.0" encoding="utf-8"?>
-<?mso-contentType ?>
-<FormTemplates xmlns="http://schemas.microsoft.com/sharepoint/v3/contenttype/forms">
-  <Display>DocumentLibraryForm</Display>
-  <Edit>DocumentLibraryForm</Edit>
-  <New>DocumentLibraryForm</New>
-</FormTemplates>
-</file>
-
 <file path=customXml/item3.xml><?xml version="1.0" encoding="utf-8"?>
 <p:properties xmlns:p="http://schemas.microsoft.com/office/2006/metadata/properties" xmlns:xsi="http://www.w3.org/2001/XMLSchema-instance" xmlns:pc="http://schemas.microsoft.com/office/infopath/2007/PartnerControls">
   <documentManagement>
@@ -8584,6 +8814,14 @@
 </file>
 
 <file path=customXml/itemProps1.xml><?xml version="1.0" encoding="utf-8"?>
+<ds:datastoreItem xmlns:ds="http://schemas.openxmlformats.org/officeDocument/2006/customXml" ds:itemID="{60CB9DC9-8E3A-41F9-8D9A-6CD7E42C2367}">
+  <ds:schemaRefs>
+    <ds:schemaRef ds:uri="http://schemas.microsoft.com/sharepoint/v3/contenttype/forms"/>
+  </ds:schemaRefs>
+</ds:datastoreItem>
+</file>
+
+<file path=customXml/itemProps2.xml><?xml version="1.0" encoding="utf-8"?>
 <ds:datastoreItem xmlns:ds="http://schemas.openxmlformats.org/officeDocument/2006/customXml" ds:itemID="{67EC58F1-AA60-4923-8C17-BC8CBB908587}">
   <ds:schemaRefs>
     <ds:schemaRef ds:uri="http://schemas.microsoft.com/office/2006/metadata/contentType"/>
@@ -8598,14 +8836,6 @@
     <ds:schemaRef ds:uri="http://purl.org/dc/elements/1.1/"/>
     <ds:schemaRef ds:uri="http://purl.org/dc/terms/"/>
     <ds:schemaRef ds:uri="http://schemas.microsoft.com/internal/obd"/>
-  </ds:schemaRefs>
-</ds:datastoreItem>
-</file>
-
-<file path=customXml/itemProps2.xml><?xml version="1.0" encoding="utf-8"?>
-<ds:datastoreItem xmlns:ds="http://schemas.openxmlformats.org/officeDocument/2006/customXml" ds:itemID="{60CB9DC9-8E3A-41F9-8D9A-6CD7E42C2367}">
-  <ds:schemaRefs>
-    <ds:schemaRef ds:uri="http://schemas.microsoft.com/sharepoint/v3/contenttype/forms"/>
   </ds:schemaRefs>
 </ds:datastoreItem>
 </file>
